--- a/PostgreSQL report.pptx
+++ b/PostgreSQL report.pptx
@@ -5,7 +5,14 @@
     <p:sldMasterId id="2147483648" r:id="rId1"/>
   </p:sldMasterIdLst>
   <p:sldIdLst>
-    <p:sldId id="256" r:id="rId2"/>
+    <p:sldId id="263" r:id="rId2"/>
+    <p:sldId id="256" r:id="rId3"/>
+    <p:sldId id="257" r:id="rId4"/>
+    <p:sldId id="258" r:id="rId5"/>
+    <p:sldId id="259" r:id="rId6"/>
+    <p:sldId id="260" r:id="rId7"/>
+    <p:sldId id="261" r:id="rId8"/>
+    <p:sldId id="262" r:id="rId9"/>
   </p:sldIdLst>
   <p:sldSz cx="12192000" cy="6858000"/>
   <p:notesSz cx="6858000" cy="9144000"/>
@@ -104,6 +111,11 @@
       </a:defRPr>
     </a:lvl9pPr>
   </p:defaultTextStyle>
+  <p:extLst>
+    <p:ext uri="{EFAFB233-063F-42B5-8137-9DF3F51BA10A}">
+      <p15:sldGuideLst xmlns:p15="http://schemas.microsoft.com/office/powerpoint/2012/main"/>
+    </p:ext>
+  </p:extLst>
 </p:presentation>
 </file>
 
@@ -3323,6 +3335,86 @@
       </p:grpSpPr>
       <p:sp>
         <p:nvSpPr>
+          <p:cNvPr id="2" name="標題 1">
+            <a:extLst>
+              <a:ext uri="{FF2B5EF4-FFF2-40B4-BE49-F238E27FC236}">
+                <a16:creationId xmlns:a16="http://schemas.microsoft.com/office/drawing/2014/main" id="{740365D5-AE4A-E142-9670-AAB48C043631}"/>
+              </a:ext>
+            </a:extLst>
+          </p:cNvPr>
+          <p:cNvSpPr>
+            <a:spLocks noGrp="1"/>
+          </p:cNvSpPr>
+          <p:nvPr>
+            <p:ph type="title"/>
+          </p:nvPr>
+        </p:nvSpPr>
+        <p:spPr/>
+        <p:txBody>
+          <a:bodyPr/>
+          <a:lstStyle/>
+          <a:p>
+            <a:endParaRPr lang="zh-TW" altLang="en-US"/>
+          </a:p>
+        </p:txBody>
+      </p:sp>
+      <p:sp>
+        <p:nvSpPr>
+          <p:cNvPr id="3" name="內容版面配置區 2">
+            <a:extLst>
+              <a:ext uri="{FF2B5EF4-FFF2-40B4-BE49-F238E27FC236}">
+                <a16:creationId xmlns:a16="http://schemas.microsoft.com/office/drawing/2014/main" id="{5BBF1C48-10C8-1FBA-C358-1E5F2652CAED}"/>
+              </a:ext>
+            </a:extLst>
+          </p:cNvPr>
+          <p:cNvSpPr>
+            <a:spLocks noGrp="1"/>
+          </p:cNvSpPr>
+          <p:nvPr>
+            <p:ph idx="1"/>
+          </p:nvPr>
+        </p:nvSpPr>
+        <p:spPr/>
+        <p:txBody>
+          <a:bodyPr/>
+          <a:lstStyle/>
+          <a:p>
+            <a:endParaRPr lang="zh-TW" altLang="en-US"/>
+          </a:p>
+        </p:txBody>
+      </p:sp>
+    </p:spTree>
+    <p:extLst>
+      <p:ext uri="{BB962C8B-B14F-4D97-AF65-F5344CB8AC3E}">
+        <p14:creationId xmlns:p14="http://schemas.microsoft.com/office/powerpoint/2010/main" val="308378318"/>
+      </p:ext>
+    </p:extLst>
+  </p:cSld>
+  <p:clrMapOvr>
+    <a:masterClrMapping/>
+  </p:clrMapOvr>
+</p:sld>
+</file>
+
+<file path=ppt/slides/slide2.xml><?xml version="1.0" encoding="utf-8"?>
+<p:sld xmlns:a="http://schemas.openxmlformats.org/drawingml/2006/main" xmlns:r="http://schemas.openxmlformats.org/officeDocument/2006/relationships" xmlns:p="http://schemas.openxmlformats.org/presentationml/2006/main">
+  <p:cSld>
+    <p:spTree>
+      <p:nvGrpSpPr>
+        <p:cNvPr id="1" name=""/>
+        <p:cNvGrpSpPr/>
+        <p:nvPr/>
+      </p:nvGrpSpPr>
+      <p:grpSpPr>
+        <a:xfrm>
+          <a:off x="0" y="0"/>
+          <a:ext cx="0" cy="0"/>
+          <a:chOff x="0" y="0"/>
+          <a:chExt cx="0" cy="0"/>
+        </a:xfrm>
+      </p:grpSpPr>
+      <p:sp>
+        <p:nvSpPr>
           <p:cNvPr id="4" name="標題 3">
             <a:extLst>
               <a:ext uri="{FF2B5EF4-FFF2-40B4-BE49-F238E27FC236}">
@@ -3347,7 +3439,7 @@
               <a:t>CTE</a:t>
             </a:r>
             <a:r>
-              <a:rPr lang="zh-TW" altLang="en-US"/>
+              <a:rPr lang="zh-TW" altLang="en-US" dirty="0"/>
               <a:t> 語法</a:t>
             </a:r>
           </a:p>
@@ -3371,10 +3463,131 @@
         </p:nvSpPr>
         <p:spPr/>
         <p:txBody>
-          <a:bodyPr/>
-          <a:lstStyle/>
-          <a:p>
-            <a:endParaRPr lang="zh-TW" altLang="en-US"/>
+          <a:bodyPr>
+            <a:normAutofit fontScale="85000" lnSpcReduction="20000"/>
+          </a:bodyPr>
+          <a:lstStyle/>
+          <a:p>
+            <a:r>
+              <a:rPr lang="en-US" altLang="zh-TW" dirty="0"/>
+              <a:t>WITH RECURSIVE </a:t>
+            </a:r>
+            <a:r>
+              <a:rPr lang="en-US" altLang="zh-TW" dirty="0" err="1"/>
+              <a:t>cte_name</a:t>
+            </a:r>
+            <a:r>
+              <a:rPr lang="en-US" altLang="zh-TW" dirty="0"/>
+              <a:t> (column1, column2, ...)</a:t>
+            </a:r>
+          </a:p>
+          <a:p>
+            <a:r>
+              <a:rPr lang="en-US" altLang="zh-TW" dirty="0"/>
+              <a:t>AS(</a:t>
+            </a:r>
+          </a:p>
+          <a:p>
+            <a:r>
+              <a:rPr lang="en-US" altLang="zh-TW" dirty="0"/>
+              <a:t>    </a:t>
+            </a:r>
+            <a:r>
+              <a:rPr lang="en-US" altLang="zh-TW" dirty="0">
+                <a:solidFill>
+                  <a:srgbClr val="FF0000"/>
+                </a:solidFill>
+              </a:rPr>
+              <a:t>-- anchor member</a:t>
+            </a:r>
+          </a:p>
+          <a:p>
+            <a:r>
+              <a:rPr lang="en-US" altLang="zh-TW" dirty="0"/>
+              <a:t>    SELECT </a:t>
+            </a:r>
+            <a:r>
+              <a:rPr lang="en-US" altLang="zh-TW" dirty="0" err="1"/>
+              <a:t>select_list</a:t>
+            </a:r>
+            <a:r>
+              <a:rPr lang="en-US" altLang="zh-TW" dirty="0"/>
+              <a:t> FROM table1 WHERE condition</a:t>
+            </a:r>
+          </a:p>
+          <a:p>
+            <a:endParaRPr lang="en-US" altLang="zh-TW" dirty="0"/>
+          </a:p>
+          <a:p>
+            <a:r>
+              <a:rPr lang="en-US" altLang="zh-TW" dirty="0"/>
+              <a:t>    UNION [ALL]</a:t>
+            </a:r>
+          </a:p>
+          <a:p>
+            <a:endParaRPr lang="en-US" altLang="zh-TW" dirty="0"/>
+          </a:p>
+          <a:p>
+            <a:r>
+              <a:rPr lang="en-US" altLang="zh-TW" dirty="0"/>
+              <a:t>    </a:t>
+            </a:r>
+            <a:r>
+              <a:rPr lang="en-US" altLang="zh-TW" dirty="0">
+                <a:solidFill>
+                  <a:srgbClr val="FF0000"/>
+                </a:solidFill>
+              </a:rPr>
+              <a:t>-- recursive term</a:t>
+            </a:r>
+          </a:p>
+          <a:p>
+            <a:r>
+              <a:rPr lang="en-US" altLang="zh-TW" dirty="0"/>
+              <a:t>    SELECT </a:t>
+            </a:r>
+            <a:r>
+              <a:rPr lang="en-US" altLang="zh-TW" dirty="0" err="1"/>
+              <a:t>select_list</a:t>
+            </a:r>
+            <a:r>
+              <a:rPr lang="en-US" altLang="zh-TW" dirty="0"/>
+              <a:t> FROM </a:t>
+            </a:r>
+            <a:r>
+              <a:rPr lang="en-US" altLang="zh-TW" dirty="0" err="1"/>
+              <a:t>cte_name</a:t>
+            </a:r>
+            <a:r>
+              <a:rPr lang="en-US" altLang="zh-TW" dirty="0"/>
+              <a:t> WHERE </a:t>
+            </a:r>
+            <a:r>
+              <a:rPr lang="en-US" altLang="zh-TW" dirty="0" err="1"/>
+              <a:t>recursive_condition</a:t>
+            </a:r>
+            <a:endParaRPr lang="en-US" altLang="zh-TW" dirty="0"/>
+          </a:p>
+          <a:p>
+            <a:r>
+              <a:rPr lang="en-US" altLang="zh-TW" dirty="0"/>
+              <a:t>)</a:t>
+            </a:r>
+          </a:p>
+          <a:p>
+            <a:r>
+              <a:rPr lang="en-US" altLang="zh-TW" dirty="0"/>
+              <a:t>SELECT * FROM </a:t>
+            </a:r>
+            <a:r>
+              <a:rPr lang="en-US" altLang="zh-TW" dirty="0" err="1"/>
+              <a:t>cte_name</a:t>
+            </a:r>
+            <a:r>
+              <a:rPr lang="en-US" altLang="zh-TW" dirty="0"/>
+              <a:t>;</a:t>
+            </a:r>
+            <a:endParaRPr lang="zh-TW" altLang="en-US" dirty="0"/>
           </a:p>
         </p:txBody>
       </p:sp>
@@ -3382,6 +3595,794 @@
     <p:extLst>
       <p:ext uri="{BB962C8B-B14F-4D97-AF65-F5344CB8AC3E}">
         <p14:creationId xmlns:p14="http://schemas.microsoft.com/office/powerpoint/2010/main" val="3533987564"/>
+      </p:ext>
+    </p:extLst>
+  </p:cSld>
+  <p:clrMapOvr>
+    <a:masterClrMapping/>
+  </p:clrMapOvr>
+</p:sld>
+</file>
+
+<file path=ppt/slides/slide3.xml><?xml version="1.0" encoding="utf-8"?>
+<p:sld xmlns:a="http://schemas.openxmlformats.org/drawingml/2006/main" xmlns:r="http://schemas.openxmlformats.org/officeDocument/2006/relationships" xmlns:p="http://schemas.openxmlformats.org/presentationml/2006/main">
+  <p:cSld>
+    <p:spTree>
+      <p:nvGrpSpPr>
+        <p:cNvPr id="1" name=""/>
+        <p:cNvGrpSpPr/>
+        <p:nvPr/>
+      </p:nvGrpSpPr>
+      <p:grpSpPr>
+        <a:xfrm>
+          <a:off x="0" y="0"/>
+          <a:ext cx="0" cy="0"/>
+          <a:chOff x="0" y="0"/>
+          <a:chExt cx="0" cy="0"/>
+        </a:xfrm>
+      </p:grpSpPr>
+      <p:sp>
+        <p:nvSpPr>
+          <p:cNvPr id="2" name="標題 1">
+            <a:extLst>
+              <a:ext uri="{FF2B5EF4-FFF2-40B4-BE49-F238E27FC236}">
+                <a16:creationId xmlns:a16="http://schemas.microsoft.com/office/drawing/2014/main" id="{49CEFD73-6CAB-980F-FA6B-480CB5F54B0A}"/>
+              </a:ext>
+            </a:extLst>
+          </p:cNvPr>
+          <p:cNvSpPr>
+            <a:spLocks noGrp="1"/>
+          </p:cNvSpPr>
+          <p:nvPr>
+            <p:ph type="title"/>
+          </p:nvPr>
+        </p:nvSpPr>
+        <p:spPr/>
+        <p:txBody>
+          <a:bodyPr/>
+          <a:lstStyle/>
+          <a:p>
+            <a:r>
+              <a:rPr lang="en-US" altLang="zh-TW" dirty="0"/>
+              <a:t>CTE</a:t>
+            </a:r>
+            <a:r>
+              <a:rPr lang="zh-TW" altLang="en-US" dirty="0"/>
+              <a:t> 範例說明</a:t>
+            </a:r>
+          </a:p>
+        </p:txBody>
+      </p:sp>
+      <p:pic>
+        <p:nvPicPr>
+          <p:cNvPr id="5" name="內容版面配置區 4">
+            <a:extLst>
+              <a:ext uri="{FF2B5EF4-FFF2-40B4-BE49-F238E27FC236}">
+                <a16:creationId xmlns:a16="http://schemas.microsoft.com/office/drawing/2014/main" id="{F4411CA0-6396-1179-D3F1-FAF14FFE9BE1}"/>
+              </a:ext>
+            </a:extLst>
+          </p:cNvPr>
+          <p:cNvPicPr>
+            <a:picLocks noGrp="1" noChangeAspect="1"/>
+          </p:cNvPicPr>
+          <p:nvPr>
+            <p:ph idx="1"/>
+          </p:nvPr>
+        </p:nvPicPr>
+        <p:blipFill>
+          <a:blip r:embed="rId2"/>
+          <a:stretch>
+            <a:fillRect/>
+          </a:stretch>
+        </p:blipFill>
+        <p:spPr>
+          <a:xfrm>
+            <a:off x="5035366" y="833066"/>
+            <a:ext cx="4422142" cy="5191868"/>
+          </a:xfrm>
+        </p:spPr>
+      </p:pic>
+      <p:sp>
+        <p:nvSpPr>
+          <p:cNvPr id="6" name="文字方塊 5">
+            <a:extLst>
+              <a:ext uri="{FF2B5EF4-FFF2-40B4-BE49-F238E27FC236}">
+                <a16:creationId xmlns:a16="http://schemas.microsoft.com/office/drawing/2014/main" id="{65DDED84-DECA-4E5C-4EE0-8138FD78C7AE}"/>
+              </a:ext>
+            </a:extLst>
+          </p:cNvPr>
+          <p:cNvSpPr txBox="1"/>
+          <p:nvPr/>
+        </p:nvSpPr>
+        <p:spPr>
+          <a:xfrm>
+            <a:off x="885268" y="5655602"/>
+            <a:ext cx="3698448" cy="369332"/>
+          </a:xfrm>
+          <a:prstGeom prst="rect">
+            <a:avLst/>
+          </a:prstGeom>
+          <a:noFill/>
+        </p:spPr>
+        <p:txBody>
+          <a:bodyPr wrap="none" rtlCol="0">
+            <a:spAutoFit/>
+          </a:bodyPr>
+          <a:lstStyle/>
+          <a:p>
+            <a:r>
+              <a:rPr lang="zh-TW" altLang="en-US" dirty="0"/>
+              <a:t>想要取出員工 </a:t>
+            </a:r>
+            <a:r>
+              <a:rPr lang="en-US" altLang="zh-TW" dirty="0"/>
+              <a:t>id=2 </a:t>
+            </a:r>
+            <a:r>
+              <a:rPr lang="zh-TW" altLang="en-US" dirty="0"/>
+              <a:t>及他的所有下屬</a:t>
+            </a:r>
+          </a:p>
+        </p:txBody>
+      </p:sp>
+    </p:spTree>
+    <p:extLst>
+      <p:ext uri="{BB962C8B-B14F-4D97-AF65-F5344CB8AC3E}">
+        <p14:creationId xmlns:p14="http://schemas.microsoft.com/office/powerpoint/2010/main" val="3049181660"/>
+      </p:ext>
+    </p:extLst>
+  </p:cSld>
+  <p:clrMapOvr>
+    <a:masterClrMapping/>
+  </p:clrMapOvr>
+</p:sld>
+</file>
+
+<file path=ppt/slides/slide4.xml><?xml version="1.0" encoding="utf-8"?>
+<p:sld xmlns:a="http://schemas.openxmlformats.org/drawingml/2006/main" xmlns:r="http://schemas.openxmlformats.org/officeDocument/2006/relationships" xmlns:p="http://schemas.openxmlformats.org/presentationml/2006/main">
+  <p:cSld>
+    <p:spTree>
+      <p:nvGrpSpPr>
+        <p:cNvPr id="1" name=""/>
+        <p:cNvGrpSpPr/>
+        <p:nvPr/>
+      </p:nvGrpSpPr>
+      <p:grpSpPr>
+        <a:xfrm>
+          <a:off x="0" y="0"/>
+          <a:ext cx="0" cy="0"/>
+          <a:chOff x="0" y="0"/>
+          <a:chExt cx="0" cy="0"/>
+        </a:xfrm>
+      </p:grpSpPr>
+      <p:sp>
+        <p:nvSpPr>
+          <p:cNvPr id="2" name="標題 1">
+            <a:extLst>
+              <a:ext uri="{FF2B5EF4-FFF2-40B4-BE49-F238E27FC236}">
+                <a16:creationId xmlns:a16="http://schemas.microsoft.com/office/drawing/2014/main" id="{341EEB39-034E-E706-14B5-732B93F37478}"/>
+              </a:ext>
+            </a:extLst>
+          </p:cNvPr>
+          <p:cNvSpPr>
+            <a:spLocks noGrp="1"/>
+          </p:cNvSpPr>
+          <p:nvPr>
+            <p:ph type="title"/>
+          </p:nvPr>
+        </p:nvSpPr>
+        <p:spPr/>
+        <p:txBody>
+          <a:bodyPr/>
+          <a:lstStyle/>
+          <a:p>
+            <a:r>
+              <a:rPr lang="en-US" altLang="zh-TW" dirty="0"/>
+              <a:t>CTE</a:t>
+            </a:r>
+            <a:r>
+              <a:rPr lang="zh-TW" altLang="en-US" dirty="0"/>
+              <a:t> 範例說明</a:t>
+            </a:r>
+          </a:p>
+        </p:txBody>
+      </p:sp>
+      <p:pic>
+        <p:nvPicPr>
+          <p:cNvPr id="5" name="內容版面配置區 4">
+            <a:extLst>
+              <a:ext uri="{FF2B5EF4-FFF2-40B4-BE49-F238E27FC236}">
+                <a16:creationId xmlns:a16="http://schemas.microsoft.com/office/drawing/2014/main" id="{11A64347-8936-32B2-1EAD-BE016CE87EC5}"/>
+              </a:ext>
+            </a:extLst>
+          </p:cNvPr>
+          <p:cNvPicPr>
+            <a:picLocks noGrp="1" noChangeAspect="1"/>
+          </p:cNvPicPr>
+          <p:nvPr>
+            <p:ph idx="1"/>
+          </p:nvPr>
+        </p:nvPicPr>
+        <p:blipFill>
+          <a:blip r:embed="rId2"/>
+          <a:stretch>
+            <a:fillRect/>
+          </a:stretch>
+        </p:blipFill>
+        <p:spPr>
+          <a:xfrm>
+            <a:off x="1706815" y="2309333"/>
+            <a:ext cx="8509881" cy="2663261"/>
+          </a:xfrm>
+        </p:spPr>
+      </p:pic>
+    </p:spTree>
+    <p:extLst>
+      <p:ext uri="{BB962C8B-B14F-4D97-AF65-F5344CB8AC3E}">
+        <p14:creationId xmlns:p14="http://schemas.microsoft.com/office/powerpoint/2010/main" val="1194394651"/>
+      </p:ext>
+    </p:extLst>
+  </p:cSld>
+  <p:clrMapOvr>
+    <a:masterClrMapping/>
+  </p:clrMapOvr>
+</p:sld>
+</file>
+
+<file path=ppt/slides/slide5.xml><?xml version="1.0" encoding="utf-8"?>
+<p:sld xmlns:a="http://schemas.openxmlformats.org/drawingml/2006/main" xmlns:r="http://schemas.openxmlformats.org/officeDocument/2006/relationships" xmlns:p="http://schemas.openxmlformats.org/presentationml/2006/main">
+  <p:cSld>
+    <p:spTree>
+      <p:nvGrpSpPr>
+        <p:cNvPr id="1" name=""/>
+        <p:cNvGrpSpPr/>
+        <p:nvPr/>
+      </p:nvGrpSpPr>
+      <p:grpSpPr>
+        <a:xfrm>
+          <a:off x="0" y="0"/>
+          <a:ext cx="0" cy="0"/>
+          <a:chOff x="0" y="0"/>
+          <a:chExt cx="0" cy="0"/>
+        </a:xfrm>
+      </p:grpSpPr>
+      <p:sp>
+        <p:nvSpPr>
+          <p:cNvPr id="2" name="標題 1">
+            <a:extLst>
+              <a:ext uri="{FF2B5EF4-FFF2-40B4-BE49-F238E27FC236}">
+                <a16:creationId xmlns:a16="http://schemas.microsoft.com/office/drawing/2014/main" id="{E2887296-C998-AD09-2BEB-018D27C5F44A}"/>
+              </a:ext>
+            </a:extLst>
+          </p:cNvPr>
+          <p:cNvSpPr>
+            <a:spLocks noGrp="1"/>
+          </p:cNvSpPr>
+          <p:nvPr>
+            <p:ph type="title"/>
+          </p:nvPr>
+        </p:nvSpPr>
+        <p:spPr/>
+        <p:txBody>
+          <a:bodyPr/>
+          <a:lstStyle/>
+          <a:p>
+            <a:r>
+              <a:rPr lang="en-US" altLang="zh-TW" dirty="0"/>
+              <a:t>CTE</a:t>
+            </a:r>
+            <a:r>
+              <a:rPr lang="zh-TW" altLang="en-US" dirty="0"/>
+              <a:t> 範例說明</a:t>
+            </a:r>
+          </a:p>
+        </p:txBody>
+      </p:sp>
+      <p:pic>
+        <p:nvPicPr>
+          <p:cNvPr id="5" name="內容版面配置區 4">
+            <a:extLst>
+              <a:ext uri="{FF2B5EF4-FFF2-40B4-BE49-F238E27FC236}">
+                <a16:creationId xmlns:a16="http://schemas.microsoft.com/office/drawing/2014/main" id="{4368FB95-DEEC-8778-86FD-27008DDF53F7}"/>
+              </a:ext>
+            </a:extLst>
+          </p:cNvPr>
+          <p:cNvPicPr>
+            <a:picLocks noGrp="1" noChangeAspect="1"/>
+          </p:cNvPicPr>
+          <p:nvPr>
+            <p:ph idx="1"/>
+          </p:nvPr>
+        </p:nvPicPr>
+        <p:blipFill>
+          <a:blip r:embed="rId2"/>
+          <a:stretch>
+            <a:fillRect/>
+          </a:stretch>
+        </p:blipFill>
+        <p:spPr>
+          <a:xfrm>
+            <a:off x="3465457" y="2839641"/>
+            <a:ext cx="5956620" cy="1636565"/>
+          </a:xfrm>
+        </p:spPr>
+      </p:pic>
+      <p:sp>
+        <p:nvSpPr>
+          <p:cNvPr id="6" name="文字方塊 5">
+            <a:extLst>
+              <a:ext uri="{FF2B5EF4-FFF2-40B4-BE49-F238E27FC236}">
+                <a16:creationId xmlns:a16="http://schemas.microsoft.com/office/drawing/2014/main" id="{A6EE9603-A05A-5D59-F102-8C7D336EF653}"/>
+              </a:ext>
+            </a:extLst>
+          </p:cNvPr>
+          <p:cNvSpPr txBox="1"/>
+          <p:nvPr/>
+        </p:nvSpPr>
+        <p:spPr>
+          <a:xfrm>
+            <a:off x="4654623" y="4659087"/>
+            <a:ext cx="3578287" cy="369332"/>
+          </a:xfrm>
+          <a:prstGeom prst="rect">
+            <a:avLst/>
+          </a:prstGeom>
+          <a:noFill/>
+        </p:spPr>
+        <p:txBody>
+          <a:bodyPr wrap="none" rtlCol="0">
+            <a:spAutoFit/>
+          </a:bodyPr>
+          <a:lstStyle/>
+          <a:p>
+            <a:r>
+              <a:rPr lang="en-US" altLang="zh-TW" dirty="0"/>
+              <a:t>non-recursive term (R</a:t>
+            </a:r>
+            <a:r>
+              <a:rPr lang="en-US" altLang="zh-TW" baseline="-25000" dirty="0"/>
+              <a:t>0</a:t>
+            </a:r>
+            <a:r>
+              <a:rPr lang="en-US" altLang="zh-TW" dirty="0"/>
+              <a:t>) </a:t>
+            </a:r>
+            <a:r>
+              <a:rPr lang="zh-TW" altLang="en-US" dirty="0"/>
+              <a:t>的 </a:t>
+            </a:r>
+            <a:r>
+              <a:rPr lang="en-US" altLang="zh-TW" dirty="0"/>
+              <a:t>result set</a:t>
+            </a:r>
+            <a:endParaRPr lang="zh-TW" altLang="en-US" dirty="0"/>
+          </a:p>
+        </p:txBody>
+      </p:sp>
+    </p:spTree>
+    <p:extLst>
+      <p:ext uri="{BB962C8B-B14F-4D97-AF65-F5344CB8AC3E}">
+        <p14:creationId xmlns:p14="http://schemas.microsoft.com/office/powerpoint/2010/main" val="944241411"/>
+      </p:ext>
+    </p:extLst>
+  </p:cSld>
+  <p:clrMapOvr>
+    <a:masterClrMapping/>
+  </p:clrMapOvr>
+</p:sld>
+</file>
+
+<file path=ppt/slides/slide6.xml><?xml version="1.0" encoding="utf-8"?>
+<p:sld xmlns:a="http://schemas.openxmlformats.org/drawingml/2006/main" xmlns:r="http://schemas.openxmlformats.org/officeDocument/2006/relationships" xmlns:p="http://schemas.openxmlformats.org/presentationml/2006/main">
+  <p:cSld>
+    <p:spTree>
+      <p:nvGrpSpPr>
+        <p:cNvPr id="1" name=""/>
+        <p:cNvGrpSpPr/>
+        <p:nvPr/>
+      </p:nvGrpSpPr>
+      <p:grpSpPr>
+        <a:xfrm>
+          <a:off x="0" y="0"/>
+          <a:ext cx="0" cy="0"/>
+          <a:chOff x="0" y="0"/>
+          <a:chExt cx="0" cy="0"/>
+        </a:xfrm>
+      </p:grpSpPr>
+      <p:sp>
+        <p:nvSpPr>
+          <p:cNvPr id="2" name="標題 1">
+            <a:extLst>
+              <a:ext uri="{FF2B5EF4-FFF2-40B4-BE49-F238E27FC236}">
+                <a16:creationId xmlns:a16="http://schemas.microsoft.com/office/drawing/2014/main" id="{8FB8D85B-4E40-C8E4-28D5-1B7CBBA478C3}"/>
+              </a:ext>
+            </a:extLst>
+          </p:cNvPr>
+          <p:cNvSpPr>
+            <a:spLocks noGrp="1"/>
+          </p:cNvSpPr>
+          <p:nvPr>
+            <p:ph type="title"/>
+          </p:nvPr>
+        </p:nvSpPr>
+        <p:spPr/>
+        <p:txBody>
+          <a:bodyPr/>
+          <a:lstStyle/>
+          <a:p>
+            <a:r>
+              <a:rPr lang="en-US" altLang="zh-TW" dirty="0"/>
+              <a:t>CTE</a:t>
+            </a:r>
+            <a:r>
+              <a:rPr lang="zh-TW" altLang="en-US" dirty="0"/>
+              <a:t> 範例說明</a:t>
+            </a:r>
+          </a:p>
+        </p:txBody>
+      </p:sp>
+      <p:pic>
+        <p:nvPicPr>
+          <p:cNvPr id="5" name="內容版面配置區 4">
+            <a:extLst>
+              <a:ext uri="{FF2B5EF4-FFF2-40B4-BE49-F238E27FC236}">
+                <a16:creationId xmlns:a16="http://schemas.microsoft.com/office/drawing/2014/main" id="{5C346989-6211-2DA9-19DE-5C38A35091DA}"/>
+              </a:ext>
+            </a:extLst>
+          </p:cNvPr>
+          <p:cNvPicPr>
+            <a:picLocks noGrp="1" noChangeAspect="1"/>
+          </p:cNvPicPr>
+          <p:nvPr>
+            <p:ph idx="1"/>
+          </p:nvPr>
+        </p:nvPicPr>
+        <p:blipFill>
+          <a:blip r:embed="rId2"/>
+          <a:stretch>
+            <a:fillRect/>
+          </a:stretch>
+        </p:blipFill>
+        <p:spPr>
+          <a:xfrm>
+            <a:off x="2760522" y="2591105"/>
+            <a:ext cx="6310939" cy="2311820"/>
+          </a:xfrm>
+        </p:spPr>
+      </p:pic>
+      <p:sp>
+        <p:nvSpPr>
+          <p:cNvPr id="9" name="Rectangle 3">
+            <a:extLst>
+              <a:ext uri="{FF2B5EF4-FFF2-40B4-BE49-F238E27FC236}">
+                <a16:creationId xmlns:a16="http://schemas.microsoft.com/office/drawing/2014/main" id="{E84AE88B-344B-2E72-19CC-5B204140CEEA}"/>
+              </a:ext>
+            </a:extLst>
+          </p:cNvPr>
+          <p:cNvSpPr>
+            <a:spLocks noChangeArrowheads="1"/>
+          </p:cNvSpPr>
+          <p:nvPr/>
+        </p:nvSpPr>
+        <p:spPr bwMode="auto">
+          <a:xfrm rot="10800000" flipV="1">
+            <a:off x="562688" y="5227109"/>
+            <a:ext cx="11634651" cy="707886"/>
+          </a:xfrm>
+          <a:prstGeom prst="rect">
+            <a:avLst/>
+          </a:prstGeom>
+          <a:noFill/>
+          <a:ln>
+            <a:noFill/>
+          </a:ln>
+          <a:effectLst/>
+          <a:extLst>
+            <a:ext uri="{909E8E84-426E-40DD-AFC4-6F175D3DCCD1}">
+              <a14:hiddenFill xmlns:a14="http://schemas.microsoft.com/office/drawing/2010/main">
+                <a:solidFill>
+                  <a:schemeClr val="accent1"/>
+                </a:solidFill>
+              </a14:hiddenFill>
+            </a:ext>
+            <a:ext uri="{91240B29-F687-4F45-9708-019B960494DF}">
+              <a14:hiddenLine xmlns:a14="http://schemas.microsoft.com/office/drawing/2010/main" w="9525">
+                <a:solidFill>
+                  <a:schemeClr val="tx1"/>
+                </a:solidFill>
+                <a:miter lim="800000"/>
+                <a:headEnd/>
+                <a:tailEnd/>
+              </a14:hiddenLine>
+            </a:ext>
+            <a:ext uri="{AF507438-7753-43E0-B8FC-AC1667EBCBE1}">
+              <a14:hiddenEffects xmlns:a14="http://schemas.microsoft.com/office/drawing/2010/main">
+                <a:effectLst>
+                  <a:outerShdw dist="35921" dir="2700000" algn="ctr" rotWithShape="0">
+                    <a:schemeClr val="bg2"/>
+                  </a:outerShdw>
+                </a:effectLst>
+              </a14:hiddenEffects>
+            </a:ext>
+          </a:extLst>
+        </p:spPr>
+        <p:txBody>
+          <a:bodyPr vert="horz" wrap="square" lIns="91440" tIns="45720" rIns="91440" bIns="45720" numCol="1" anchor="ctr" anchorCtr="0" compatLnSpc="1">
+            <a:prstTxWarp prst="textNoShape">
+              <a:avLst/>
+            </a:prstTxWarp>
+            <a:spAutoFit/>
+          </a:bodyPr>
+          <a:lstStyle/>
+          <a:p>
+            <a:pPr marL="0" marR="0" lvl="0" indent="0" algn="l" defTabSz="914400" rtl="0" eaLnBrk="0" fontAlgn="base" latinLnBrk="0" hangingPunct="0">
+              <a:lnSpc>
+                <a:spcPct val="100000"/>
+              </a:lnSpc>
+              <a:spcBef>
+                <a:spcPct val="0"/>
+              </a:spcBef>
+              <a:spcAft>
+                <a:spcPct val="0"/>
+              </a:spcAft>
+              <a:buClrTx/>
+              <a:buSzTx/>
+              <a:buFontTx/>
+              <a:buNone/>
+              <a:tabLst/>
+            </a:pPr>
+            <a:r>
+              <a:rPr kumimoji="0" lang="zh-TW" altLang="zh-TW" sz="2000" b="0" i="0" u="none" strike="noStrike" cap="none" normalizeH="0" baseline="0" dirty="0">
+                <a:ln>
+                  <a:noFill/>
+                </a:ln>
+                <a:solidFill>
+                  <a:schemeClr val="tx1"/>
+                </a:solidFill>
+                <a:effectLst/>
+                <a:latin typeface="Times New Roman" panose="02020603050405020304" pitchFamily="18" charset="0"/>
+                <a:cs typeface="Times New Roman" panose="02020603050405020304" pitchFamily="18" charset="0"/>
+              </a:rPr>
+              <a:t>新的 result set (4 rows) 會取代掉 subordinates 的內容作為下次迭代之用。而前一次的 result set (1 row) 也會先放進 </a:t>
+            </a:r>
+            <a:r>
+              <a:rPr kumimoji="0" lang="zh-TW" altLang="zh-TW" sz="2000" b="0" u="none" strike="noStrike" cap="none" normalizeH="0" baseline="0" dirty="0">
+                <a:ln>
+                  <a:noFill/>
+                </a:ln>
+                <a:solidFill>
+                  <a:schemeClr val="tx1"/>
+                </a:solidFill>
+                <a:effectLst/>
+                <a:latin typeface="Times New Roman" panose="02020603050405020304" pitchFamily="18" charset="0"/>
+                <a:cs typeface="Times New Roman" panose="02020603050405020304" pitchFamily="18" charset="0"/>
+              </a:rPr>
+              <a:t>temporary intermediate table。 </a:t>
+            </a:r>
+          </a:p>
+        </p:txBody>
+      </p:sp>
+    </p:spTree>
+    <p:extLst>
+      <p:ext uri="{BB962C8B-B14F-4D97-AF65-F5344CB8AC3E}">
+        <p14:creationId xmlns:p14="http://schemas.microsoft.com/office/powerpoint/2010/main" val="2665048016"/>
+      </p:ext>
+    </p:extLst>
+  </p:cSld>
+  <p:clrMapOvr>
+    <a:masterClrMapping/>
+  </p:clrMapOvr>
+</p:sld>
+</file>
+
+<file path=ppt/slides/slide7.xml><?xml version="1.0" encoding="utf-8"?>
+<p:sld xmlns:a="http://schemas.openxmlformats.org/drawingml/2006/main" xmlns:r="http://schemas.openxmlformats.org/officeDocument/2006/relationships" xmlns:p="http://schemas.openxmlformats.org/presentationml/2006/main">
+  <p:cSld>
+    <p:spTree>
+      <p:nvGrpSpPr>
+        <p:cNvPr id="1" name=""/>
+        <p:cNvGrpSpPr/>
+        <p:nvPr/>
+      </p:nvGrpSpPr>
+      <p:grpSpPr>
+        <a:xfrm>
+          <a:off x="0" y="0"/>
+          <a:ext cx="0" cy="0"/>
+          <a:chOff x="0" y="0"/>
+          <a:chExt cx="0" cy="0"/>
+        </a:xfrm>
+      </p:grpSpPr>
+      <p:sp>
+        <p:nvSpPr>
+          <p:cNvPr id="2" name="標題 1">
+            <a:extLst>
+              <a:ext uri="{FF2B5EF4-FFF2-40B4-BE49-F238E27FC236}">
+                <a16:creationId xmlns:a16="http://schemas.microsoft.com/office/drawing/2014/main" id="{0FD4E6F9-0F5A-A884-71A9-BAE3A2CB62D6}"/>
+              </a:ext>
+            </a:extLst>
+          </p:cNvPr>
+          <p:cNvSpPr>
+            <a:spLocks noGrp="1"/>
+          </p:cNvSpPr>
+          <p:nvPr>
+            <p:ph type="title"/>
+          </p:nvPr>
+        </p:nvSpPr>
+        <p:spPr/>
+        <p:txBody>
+          <a:bodyPr/>
+          <a:lstStyle/>
+          <a:p>
+            <a:r>
+              <a:rPr lang="en-US" altLang="zh-TW" dirty="0"/>
+              <a:t>CTE</a:t>
+            </a:r>
+            <a:r>
+              <a:rPr lang="zh-TW" altLang="en-US" dirty="0"/>
+              <a:t> 範例說明</a:t>
+            </a:r>
+          </a:p>
+        </p:txBody>
+      </p:sp>
+      <p:pic>
+        <p:nvPicPr>
+          <p:cNvPr id="5" name="內容版面配置區 4">
+            <a:extLst>
+              <a:ext uri="{FF2B5EF4-FFF2-40B4-BE49-F238E27FC236}">
+                <a16:creationId xmlns:a16="http://schemas.microsoft.com/office/drawing/2014/main" id="{AC1DED36-B3DB-323E-1B52-4AE726840138}"/>
+              </a:ext>
+            </a:extLst>
+          </p:cNvPr>
+          <p:cNvPicPr>
+            <a:picLocks noGrp="1" noChangeAspect="1"/>
+          </p:cNvPicPr>
+          <p:nvPr>
+            <p:ph idx="1"/>
+          </p:nvPr>
+        </p:nvPicPr>
+        <p:blipFill>
+          <a:blip r:embed="rId2"/>
+          <a:stretch>
+            <a:fillRect/>
+          </a:stretch>
+        </p:blipFill>
+        <p:spPr>
+          <a:xfrm>
+            <a:off x="2672081" y="2392889"/>
+            <a:ext cx="6009801" cy="2692916"/>
+          </a:xfrm>
+        </p:spPr>
+      </p:pic>
+    </p:spTree>
+    <p:extLst>
+      <p:ext uri="{BB962C8B-B14F-4D97-AF65-F5344CB8AC3E}">
+        <p14:creationId xmlns:p14="http://schemas.microsoft.com/office/powerpoint/2010/main" val="2912786752"/>
+      </p:ext>
+    </p:extLst>
+  </p:cSld>
+  <p:clrMapOvr>
+    <a:masterClrMapping/>
+  </p:clrMapOvr>
+</p:sld>
+</file>
+
+<file path=ppt/slides/slide8.xml><?xml version="1.0" encoding="utf-8"?>
+<p:sld xmlns:a="http://schemas.openxmlformats.org/drawingml/2006/main" xmlns:r="http://schemas.openxmlformats.org/officeDocument/2006/relationships" xmlns:p="http://schemas.openxmlformats.org/presentationml/2006/main">
+  <p:cSld>
+    <p:spTree>
+      <p:nvGrpSpPr>
+        <p:cNvPr id="1" name=""/>
+        <p:cNvGrpSpPr/>
+        <p:nvPr/>
+      </p:nvGrpSpPr>
+      <p:grpSpPr>
+        <a:xfrm>
+          <a:off x="0" y="0"/>
+          <a:ext cx="0" cy="0"/>
+          <a:chOff x="0" y="0"/>
+          <a:chExt cx="0" cy="0"/>
+        </a:xfrm>
+      </p:grpSpPr>
+      <p:sp>
+        <p:nvSpPr>
+          <p:cNvPr id="2" name="標題 1">
+            <a:extLst>
+              <a:ext uri="{FF2B5EF4-FFF2-40B4-BE49-F238E27FC236}">
+                <a16:creationId xmlns:a16="http://schemas.microsoft.com/office/drawing/2014/main" id="{464169C4-B710-B51F-A618-DE5FB8C73CAF}"/>
+              </a:ext>
+            </a:extLst>
+          </p:cNvPr>
+          <p:cNvSpPr>
+            <a:spLocks noGrp="1"/>
+          </p:cNvSpPr>
+          <p:nvPr>
+            <p:ph type="title"/>
+          </p:nvPr>
+        </p:nvSpPr>
+        <p:spPr/>
+        <p:txBody>
+          <a:bodyPr/>
+          <a:lstStyle/>
+          <a:p>
+            <a:r>
+              <a:rPr lang="en-US" altLang="zh-TW" dirty="0"/>
+              <a:t>CTE</a:t>
+            </a:r>
+            <a:r>
+              <a:rPr lang="zh-TW" altLang="en-US" dirty="0"/>
+              <a:t> 範例說明</a:t>
+            </a:r>
+          </a:p>
+        </p:txBody>
+      </p:sp>
+      <p:pic>
+        <p:nvPicPr>
+          <p:cNvPr id="5" name="內容版面配置區 4">
+            <a:extLst>
+              <a:ext uri="{FF2B5EF4-FFF2-40B4-BE49-F238E27FC236}">
+                <a16:creationId xmlns:a16="http://schemas.microsoft.com/office/drawing/2014/main" id="{FE8A700F-1BEF-F706-B09B-3F13CBAB0117}"/>
+              </a:ext>
+            </a:extLst>
+          </p:cNvPr>
+          <p:cNvPicPr>
+            <a:picLocks noGrp="1" noChangeAspect="1"/>
+          </p:cNvPicPr>
+          <p:nvPr>
+            <p:ph idx="1"/>
+          </p:nvPr>
+        </p:nvPicPr>
+        <p:blipFill>
+          <a:blip r:embed="rId2"/>
+          <a:stretch>
+            <a:fillRect/>
+          </a:stretch>
+        </p:blipFill>
+        <p:spPr>
+          <a:xfrm>
+            <a:off x="3394809" y="2042917"/>
+            <a:ext cx="5402381" cy="3591528"/>
+          </a:xfrm>
+        </p:spPr>
+      </p:pic>
+      <p:sp>
+        <p:nvSpPr>
+          <p:cNvPr id="6" name="文字方塊 5">
+            <a:extLst>
+              <a:ext uri="{FF2B5EF4-FFF2-40B4-BE49-F238E27FC236}">
+                <a16:creationId xmlns:a16="http://schemas.microsoft.com/office/drawing/2014/main" id="{51B854E6-FFA1-B5E1-436D-67A40A57819C}"/>
+              </a:ext>
+            </a:extLst>
+          </p:cNvPr>
+          <p:cNvSpPr txBox="1"/>
+          <p:nvPr/>
+        </p:nvSpPr>
+        <p:spPr>
+          <a:xfrm>
+            <a:off x="5416732" y="5864754"/>
+            <a:ext cx="2926080" cy="369332"/>
+          </a:xfrm>
+          <a:prstGeom prst="rect">
+            <a:avLst/>
+          </a:prstGeom>
+          <a:noFill/>
+        </p:spPr>
+        <p:txBody>
+          <a:bodyPr wrap="square" rtlCol="0">
+            <a:spAutoFit/>
+          </a:bodyPr>
+          <a:lstStyle/>
+          <a:p>
+            <a:r>
+              <a:rPr lang="zh-TW" altLang="en-US" dirty="0"/>
+              <a:t>最後的執行結果</a:t>
+            </a:r>
+          </a:p>
+        </p:txBody>
+      </p:sp>
+    </p:spTree>
+    <p:extLst>
+      <p:ext uri="{BB962C8B-B14F-4D97-AF65-F5344CB8AC3E}">
+        <p14:creationId xmlns:p14="http://schemas.microsoft.com/office/powerpoint/2010/main" val="4002997767"/>
       </p:ext>
     </p:extLst>
   </p:cSld>
